--- a/Lecture/Modeling 6/Modeling_6_Lecture.pptx
+++ b/Lecture/Modeling 6/Modeling_6_Lecture.pptx
@@ -317,7 +317,7 @@
               <a:pPr>
                 <a:defRPr/>
               </a:pPr>
-              <a:t>3/27/2019</a:t>
+              <a:t>6/10/2025</a:t>
             </a:fld>
             <a:endParaRPr lang="en-US" dirty="0"/>
           </a:p>
@@ -529,7 +529,7 @@
               <a:pPr>
                 <a:defRPr/>
               </a:pPr>
-              <a:t>3/27/2019</a:t>
+              <a:t>6/10/2025</a:t>
             </a:fld>
             <a:endParaRPr lang="en-US" dirty="0"/>
           </a:p>
@@ -1048,7 +1048,7 @@
               <a:pPr>
                 <a:defRPr/>
               </a:pPr>
-              <a:t>3/27/2019</a:t>
+              <a:t>6/10/2025</a:t>
             </a:fld>
             <a:endParaRPr lang="en-US" dirty="0"/>
           </a:p>
@@ -1238,7 +1238,7 @@
               <a:pPr>
                 <a:defRPr/>
               </a:pPr>
-              <a:t>3/27/2019</a:t>
+              <a:t>6/10/2025</a:t>
             </a:fld>
             <a:endParaRPr lang="en-US" dirty="0"/>
           </a:p>
@@ -1438,7 +1438,7 @@
               <a:pPr>
                 <a:defRPr/>
               </a:pPr>
-              <a:t>3/27/2019</a:t>
+              <a:t>6/10/2025</a:t>
             </a:fld>
             <a:endParaRPr lang="en-US" dirty="0"/>
           </a:p>
@@ -1706,7 +1706,7 @@
               <a:pPr>
                 <a:defRPr/>
               </a:pPr>
-              <a:t>3/27/2019</a:t>
+              <a:t>6/10/2025</a:t>
             </a:fld>
             <a:endParaRPr lang="en-US" dirty="0">
               <a:solidFill>
@@ -1920,7 +1920,7 @@
               <a:pPr>
                 <a:defRPr/>
               </a:pPr>
-              <a:t>3/27/2019</a:t>
+              <a:t>6/10/2025</a:t>
             </a:fld>
             <a:endParaRPr lang="en-US" dirty="0">
               <a:solidFill>
@@ -2211,7 +2211,7 @@
               <a:pPr>
                 <a:defRPr/>
               </a:pPr>
-              <a:t>3/27/2019</a:t>
+              <a:t>6/10/2025</a:t>
             </a:fld>
             <a:endParaRPr lang="en-US" dirty="0">
               <a:solidFill>
@@ -2542,7 +2542,7 @@
               <a:pPr>
                 <a:defRPr/>
               </a:pPr>
-              <a:t>3/27/2019</a:t>
+              <a:t>6/10/2025</a:t>
             </a:fld>
             <a:endParaRPr lang="en-US" dirty="0">
               <a:solidFill>
@@ -3007,7 +3007,7 @@
               <a:pPr>
                 <a:defRPr/>
               </a:pPr>
-              <a:t>3/27/2019</a:t>
+              <a:t>6/10/2025</a:t>
             </a:fld>
             <a:endParaRPr lang="en-US" dirty="0">
               <a:solidFill>
@@ -3170,7 +3170,7 @@
               <a:pPr>
                 <a:defRPr/>
               </a:pPr>
-              <a:t>3/27/2019</a:t>
+              <a:t>6/10/2025</a:t>
             </a:fld>
             <a:endParaRPr lang="en-US" dirty="0">
               <a:solidFill>
@@ -3311,7 +3311,7 @@
               <a:pPr>
                 <a:defRPr/>
               </a:pPr>
-              <a:t>3/27/2019</a:t>
+              <a:t>6/10/2025</a:t>
             </a:fld>
             <a:endParaRPr lang="en-US" dirty="0">
               <a:solidFill>
@@ -3632,7 +3632,7 @@
               <a:pPr>
                 <a:defRPr/>
               </a:pPr>
-              <a:t>3/27/2019</a:t>
+              <a:t>6/10/2025</a:t>
             </a:fld>
             <a:endParaRPr lang="en-US" dirty="0">
               <a:solidFill>
@@ -3840,7 +3840,7 @@
               <a:pPr>
                 <a:defRPr/>
               </a:pPr>
-              <a:t>3/27/2019</a:t>
+              <a:t>6/10/2025</a:t>
             </a:fld>
             <a:endParaRPr lang="en-US" dirty="0"/>
           </a:p>
@@ -4123,7 +4123,7 @@
               <a:pPr>
                 <a:defRPr/>
               </a:pPr>
-              <a:t>3/27/2019</a:t>
+              <a:t>6/10/2025</a:t>
             </a:fld>
             <a:endParaRPr lang="en-US" dirty="0">
               <a:solidFill>
@@ -4337,7 +4337,7 @@
               <a:pPr>
                 <a:defRPr/>
               </a:pPr>
-              <a:t>3/27/2019</a:t>
+              <a:t>6/10/2025</a:t>
             </a:fld>
             <a:endParaRPr lang="en-US" dirty="0">
               <a:solidFill>
@@ -4561,7 +4561,7 @@
               <a:pPr>
                 <a:defRPr/>
               </a:pPr>
-              <a:t>3/27/2019</a:t>
+              <a:t>6/10/2025</a:t>
             </a:fld>
             <a:endParaRPr lang="en-US" dirty="0">
               <a:solidFill>
@@ -4771,7 +4771,7 @@
               <a:pPr>
                 <a:defRPr/>
               </a:pPr>
-              <a:t>3/27/2019</a:t>
+              <a:t>6/10/2025</a:t>
             </a:fld>
             <a:endParaRPr lang="en-US" dirty="0">
               <a:solidFill>
@@ -5048,7 +5048,7 @@
               <a:pPr>
                 <a:defRPr/>
               </a:pPr>
-              <a:t>3/27/2019</a:t>
+              <a:t>6/10/2025</a:t>
             </a:fld>
             <a:endParaRPr lang="en-US" dirty="0"/>
           </a:p>
@@ -5355,7 +5355,7 @@
               <a:pPr>
                 <a:defRPr/>
               </a:pPr>
-              <a:t>3/27/2019</a:t>
+              <a:t>6/10/2025</a:t>
             </a:fld>
             <a:endParaRPr lang="en-US" dirty="0"/>
           </a:p>
@@ -5796,7 +5796,7 @@
               <a:pPr>
                 <a:defRPr/>
               </a:pPr>
-              <a:t>3/27/2019</a:t>
+              <a:t>6/10/2025</a:t>
             </a:fld>
             <a:endParaRPr lang="en-US" dirty="0"/>
           </a:p>
@@ -5935,7 +5935,7 @@
               <a:pPr>
                 <a:defRPr/>
               </a:pPr>
-              <a:t>3/27/2019</a:t>
+              <a:t>6/10/2025</a:t>
             </a:fld>
             <a:endParaRPr lang="en-US" dirty="0"/>
           </a:p>
@@ -6052,7 +6052,7 @@
               <a:pPr>
                 <a:defRPr/>
               </a:pPr>
-              <a:t>3/27/2019</a:t>
+              <a:t>6/10/2025</a:t>
             </a:fld>
             <a:endParaRPr lang="en-US" dirty="0"/>
           </a:p>
@@ -6349,7 +6349,7 @@
               <a:pPr>
                 <a:defRPr/>
               </a:pPr>
-              <a:t>3/27/2019</a:t>
+              <a:t>6/10/2025</a:t>
             </a:fld>
             <a:endParaRPr lang="en-US" dirty="0"/>
           </a:p>
@@ -6626,7 +6626,7 @@
               <a:pPr>
                 <a:defRPr/>
               </a:pPr>
-              <a:t>3/27/2019</a:t>
+              <a:t>6/10/2025</a:t>
             </a:fld>
             <a:endParaRPr lang="en-US" dirty="0"/>
           </a:p>
@@ -6883,7 +6883,7 @@
               <a:pPr>
                 <a:defRPr/>
               </a:pPr>
-              <a:t>3/27/2019</a:t>
+              <a:t>6/10/2025</a:t>
             </a:fld>
             <a:endParaRPr lang="en-US" dirty="0"/>
           </a:p>
@@ -7593,7 +7593,7 @@
               <a:pPr>
                 <a:defRPr/>
               </a:pPr>
-              <a:t>3/27/2019</a:t>
+              <a:t>6/10/2025</a:t>
             </a:fld>
             <a:endParaRPr lang="en-US" dirty="0">
               <a:solidFill>
@@ -15970,7 +15970,7 @@
                   <a:srgbClr val="404040"/>
                 </a:solidFill>
               </a:rPr>
-              <a:t>No Way Interactions</a:t>
+              <a:t>No Interaction Effects</a:t>
             </a:r>
           </a:p>
         </p:txBody>
@@ -19081,7 +19081,7 @@
                   <a:srgbClr val="404040"/>
                 </a:solidFill>
               </a:rPr>
-              <a:t>Including 3-Way Interactions</a:t>
+              <a:t>3-Way Interaction</a:t>
             </a:r>
           </a:p>
           <a:p>
@@ -19166,7 +19166,7 @@
                   <a:srgbClr val="404040"/>
                 </a:solidFill>
               </a:rPr>
-              <a:t>No Way Interactions</a:t>
+              <a:t>No Interactions</a:t>
             </a:r>
           </a:p>
         </p:txBody>
@@ -19550,7 +19550,7 @@
         <p:spPr>
           <a:xfrm>
             <a:off x="3809999" y="643467"/>
-            <a:ext cx="5334001" cy="4154984"/>
+            <a:ext cx="5334001" cy="1200329"/>
           </a:xfrm>
           <a:prstGeom prst="rect">
             <a:avLst/>
@@ -19604,114 +19604,14 @@
               <a:t>Error Statistics</a:t>
             </a:r>
           </a:p>
-          <a:p>
-            <a:pPr marL="800100" lvl="1" indent="-342900">
-              <a:buFont typeface="Arial" panose="020B0604020202020204" pitchFamily="34" charset="0"/>
-              <a:buChar char="•"/>
-              <a:defRPr/>
-            </a:pPr>
-            <a:endParaRPr lang="en-US" dirty="0">
-              <a:solidFill>
-                <a:srgbClr val="404040"/>
-              </a:solidFill>
-            </a:endParaRPr>
-          </a:p>
-          <a:p>
-            <a:pPr marL="1257300" lvl="2" indent="-342900">
-              <a:buFont typeface="Arial" panose="020B0604020202020204" pitchFamily="34" charset="0"/>
-              <a:buChar char="•"/>
-              <a:defRPr/>
-            </a:pPr>
-            <a:r>
-              <a:rPr lang="en-US" dirty="0">
-                <a:solidFill>
-                  <a:srgbClr val="404040"/>
-                </a:solidFill>
-              </a:rPr>
-              <a:t>Code</a:t>
-            </a:r>
-          </a:p>
-          <a:p>
-            <a:pPr marL="1257300" lvl="2" indent="-342900">
-              <a:buFont typeface="Arial" panose="020B0604020202020204" pitchFamily="34" charset="0"/>
-              <a:buChar char="•"/>
-              <a:defRPr/>
-            </a:pPr>
-            <a:endParaRPr lang="en-US" dirty="0">
-              <a:solidFill>
-                <a:srgbClr val="404040"/>
-              </a:solidFill>
-            </a:endParaRPr>
-          </a:p>
-          <a:p>
-            <a:pPr marL="1257300" lvl="2" indent="-342900">
-              <a:buFont typeface="Arial" panose="020B0604020202020204" pitchFamily="34" charset="0"/>
-              <a:buChar char="•"/>
-              <a:defRPr/>
-            </a:pPr>
-            <a:endParaRPr lang="en-US" dirty="0">
-              <a:solidFill>
-                <a:srgbClr val="404040"/>
-              </a:solidFill>
-            </a:endParaRPr>
-          </a:p>
-          <a:p>
-            <a:pPr marL="1257300" lvl="2" indent="-342900">
-              <a:buFont typeface="Arial" panose="020B0604020202020204" pitchFamily="34" charset="0"/>
-              <a:buChar char="•"/>
-              <a:defRPr/>
-            </a:pPr>
-            <a:endParaRPr lang="en-US" dirty="0">
-              <a:solidFill>
-                <a:srgbClr val="404040"/>
-              </a:solidFill>
-            </a:endParaRPr>
-          </a:p>
-          <a:p>
-            <a:pPr lvl="2">
-              <a:defRPr/>
-            </a:pPr>
-            <a:endParaRPr lang="en-US" dirty="0">
-              <a:solidFill>
-                <a:srgbClr val="404040"/>
-              </a:solidFill>
-            </a:endParaRPr>
-          </a:p>
-          <a:p>
-            <a:pPr marL="1257300" lvl="2" indent="-342900">
-              <a:buFont typeface="Arial" panose="020B0604020202020204" pitchFamily="34" charset="0"/>
-              <a:buChar char="•"/>
-              <a:defRPr/>
-            </a:pPr>
-            <a:endParaRPr lang="en-US" dirty="0">
-              <a:solidFill>
-                <a:srgbClr val="404040"/>
-              </a:solidFill>
-            </a:endParaRPr>
-          </a:p>
-          <a:p>
-            <a:pPr marL="1257300" lvl="2" indent="-342900">
-              <a:buFont typeface="Arial" panose="020B0604020202020204" pitchFamily="34" charset="0"/>
-              <a:buChar char="•"/>
-              <a:defRPr/>
-            </a:pPr>
-            <a:r>
-              <a:rPr lang="en-US" dirty="0">
-                <a:solidFill>
-                  <a:srgbClr val="404040"/>
-                </a:solidFill>
-              </a:rPr>
-              <a:t>Results</a:t>
-            </a:r>
-          </a:p>
         </p:txBody>
       </p:sp>
       <p:pic>
         <p:nvPicPr>
-          <p:cNvPr id="3" name="Picture 2">
+          <p:cNvPr id="9" name="Picture 8">
             <a:extLst>
               <a:ext uri="{FF2B5EF4-FFF2-40B4-BE49-F238E27FC236}">
-                <a16:creationId xmlns:a16="http://schemas.microsoft.com/office/drawing/2014/main" id="{76D329D5-BA48-4EFF-9EB6-0A6CE4221531}"/>
+                <a16:creationId xmlns:a16="http://schemas.microsoft.com/office/drawing/2014/main" id="{2C7CA2C8-1C90-BD64-5D41-766711CEFC0A}"/>
               </a:ext>
             </a:extLst>
           </p:cNvPr>
@@ -19728,81 +19628,18 @@
         </p:blipFill>
         <p:spPr>
           <a:xfrm>
-            <a:off x="3576212" y="2590800"/>
-            <a:ext cx="5491588" cy="1330903"/>
+            <a:off x="3581400" y="1986410"/>
+            <a:ext cx="5465005" cy="2362200"/>
           </a:xfrm>
           <a:prstGeom prst="rect">
             <a:avLst/>
           </a:prstGeom>
-          <a:ln>
+          <a:ln w="19050">
             <a:solidFill>
               <a:srgbClr val="404040"/>
             </a:solidFill>
           </a:ln>
         </p:spPr>
-        <p:style>
-          <a:lnRef idx="2">
-            <a:schemeClr val="dk1"/>
-          </a:lnRef>
-          <a:fillRef idx="1">
-            <a:schemeClr val="lt1"/>
-          </a:fillRef>
-          <a:effectRef idx="0">
-            <a:schemeClr val="dk1"/>
-          </a:effectRef>
-          <a:fontRef idx="minor">
-            <a:schemeClr val="dk1"/>
-          </a:fontRef>
-        </p:style>
-      </p:pic>
-      <p:pic>
-        <p:nvPicPr>
-          <p:cNvPr id="4" name="Picture 3">
-            <a:extLst>
-              <a:ext uri="{FF2B5EF4-FFF2-40B4-BE49-F238E27FC236}">
-                <a16:creationId xmlns:a16="http://schemas.microsoft.com/office/drawing/2014/main" id="{71D79A7F-5493-4308-A7E9-13599DB9393E}"/>
-              </a:ext>
-            </a:extLst>
-          </p:cNvPr>
-          <p:cNvPicPr>
-            <a:picLocks noChangeAspect="1"/>
-          </p:cNvPicPr>
-          <p:nvPr/>
-        </p:nvPicPr>
-        <p:blipFill>
-          <a:blip r:embed="rId5"/>
-          <a:stretch>
-            <a:fillRect/>
-          </a:stretch>
-        </p:blipFill>
-        <p:spPr>
-          <a:xfrm>
-            <a:off x="3576212" y="4810043"/>
-            <a:ext cx="5491588" cy="1200894"/>
-          </a:xfrm>
-          <a:prstGeom prst="rect">
-            <a:avLst/>
-          </a:prstGeom>
-          <a:ln>
-            <a:solidFill>
-              <a:srgbClr val="404040"/>
-            </a:solidFill>
-          </a:ln>
-        </p:spPr>
-        <p:style>
-          <a:lnRef idx="2">
-            <a:schemeClr val="dk1"/>
-          </a:lnRef>
-          <a:fillRef idx="1">
-            <a:schemeClr val="lt1"/>
-          </a:fillRef>
-          <a:effectRef idx="0">
-            <a:schemeClr val="dk1"/>
-          </a:effectRef>
-          <a:fontRef idx="minor">
-            <a:schemeClr val="dk1"/>
-          </a:fontRef>
-        </p:style>
       </p:pic>
     </p:spTree>
     <p:custDataLst>
